--- a/doc/08.祭奠堂.pptx
+++ b/doc/08.祭奠堂.pptx
@@ -281,7 +281,7 @@
           <a:p>
             <a:fld id="{1B7BBEA4-24BC-4F9A-BA49-26A596A24E96}" type="datetimeFigureOut">
               <a:rPr lang="zh-CN" altLang="en-US" smtClean="0"/>
-              <a:t>2021/4/14</a:t>
+              <a:t>2021/4/15</a:t>
             </a:fld>
             <a:endParaRPr lang="zh-CN" altLang="en-US"/>
           </a:p>
@@ -479,7 +479,7 @@
           <a:p>
             <a:fld id="{1B7BBEA4-24BC-4F9A-BA49-26A596A24E96}" type="datetimeFigureOut">
               <a:rPr lang="zh-CN" altLang="en-US" smtClean="0"/>
-              <a:t>2021/4/14</a:t>
+              <a:t>2021/4/15</a:t>
             </a:fld>
             <a:endParaRPr lang="zh-CN" altLang="en-US"/>
           </a:p>
@@ -687,7 +687,7 @@
           <a:p>
             <a:fld id="{1B7BBEA4-24BC-4F9A-BA49-26A596A24E96}" type="datetimeFigureOut">
               <a:rPr lang="zh-CN" altLang="en-US" smtClean="0"/>
-              <a:t>2021/4/14</a:t>
+              <a:t>2021/4/15</a:t>
             </a:fld>
             <a:endParaRPr lang="zh-CN" altLang="en-US"/>
           </a:p>
@@ -885,7 +885,7 @@
           <a:p>
             <a:fld id="{1B7BBEA4-24BC-4F9A-BA49-26A596A24E96}" type="datetimeFigureOut">
               <a:rPr lang="zh-CN" altLang="en-US" smtClean="0"/>
-              <a:t>2021/4/14</a:t>
+              <a:t>2021/4/15</a:t>
             </a:fld>
             <a:endParaRPr lang="zh-CN" altLang="en-US"/>
           </a:p>
@@ -1160,7 +1160,7 @@
           <a:p>
             <a:fld id="{1B7BBEA4-24BC-4F9A-BA49-26A596A24E96}" type="datetimeFigureOut">
               <a:rPr lang="zh-CN" altLang="en-US" smtClean="0"/>
-              <a:t>2021/4/14</a:t>
+              <a:t>2021/4/15</a:t>
             </a:fld>
             <a:endParaRPr lang="zh-CN" altLang="en-US"/>
           </a:p>
@@ -1425,7 +1425,7 @@
           <a:p>
             <a:fld id="{1B7BBEA4-24BC-4F9A-BA49-26A596A24E96}" type="datetimeFigureOut">
               <a:rPr lang="zh-CN" altLang="en-US" smtClean="0"/>
-              <a:t>2021/4/14</a:t>
+              <a:t>2021/4/15</a:t>
             </a:fld>
             <a:endParaRPr lang="zh-CN" altLang="en-US"/>
           </a:p>
@@ -1837,7 +1837,7 @@
           <a:p>
             <a:fld id="{1B7BBEA4-24BC-4F9A-BA49-26A596A24E96}" type="datetimeFigureOut">
               <a:rPr lang="zh-CN" altLang="en-US" smtClean="0"/>
-              <a:t>2021/4/14</a:t>
+              <a:t>2021/4/15</a:t>
             </a:fld>
             <a:endParaRPr lang="zh-CN" altLang="en-US"/>
           </a:p>
@@ -1978,7 +1978,7 @@
           <a:p>
             <a:fld id="{1B7BBEA4-24BC-4F9A-BA49-26A596A24E96}" type="datetimeFigureOut">
               <a:rPr lang="zh-CN" altLang="en-US" smtClean="0"/>
-              <a:t>2021/4/14</a:t>
+              <a:t>2021/4/15</a:t>
             </a:fld>
             <a:endParaRPr lang="zh-CN" altLang="en-US"/>
           </a:p>
@@ -2091,7 +2091,7 @@
           <a:p>
             <a:fld id="{1B7BBEA4-24BC-4F9A-BA49-26A596A24E96}" type="datetimeFigureOut">
               <a:rPr lang="zh-CN" altLang="en-US" smtClean="0"/>
-              <a:t>2021/4/14</a:t>
+              <a:t>2021/4/15</a:t>
             </a:fld>
             <a:endParaRPr lang="zh-CN" altLang="en-US"/>
           </a:p>
@@ -2402,7 +2402,7 @@
           <a:p>
             <a:fld id="{1B7BBEA4-24BC-4F9A-BA49-26A596A24E96}" type="datetimeFigureOut">
               <a:rPr lang="zh-CN" altLang="en-US" smtClean="0"/>
-              <a:t>2021/4/14</a:t>
+              <a:t>2021/4/15</a:t>
             </a:fld>
             <a:endParaRPr lang="zh-CN" altLang="en-US"/>
           </a:p>
@@ -2690,7 +2690,7 @@
           <a:p>
             <a:fld id="{1B7BBEA4-24BC-4F9A-BA49-26A596A24E96}" type="datetimeFigureOut">
               <a:rPr lang="zh-CN" altLang="en-US" smtClean="0"/>
-              <a:t>2021/4/14</a:t>
+              <a:t>2021/4/15</a:t>
             </a:fld>
             <a:endParaRPr lang="zh-CN" altLang="en-US"/>
           </a:p>
@@ -2931,7 +2931,7 @@
           <a:p>
             <a:fld id="{1B7BBEA4-24BC-4F9A-BA49-26A596A24E96}" type="datetimeFigureOut">
               <a:rPr lang="zh-CN" altLang="en-US" smtClean="0"/>
-              <a:t>2021/4/14</a:t>
+              <a:t>2021/4/15</a:t>
             </a:fld>
             <a:endParaRPr lang="zh-CN" altLang="en-US"/>
           </a:p>
@@ -4187,20 +4187,12 @@
             <a:lstStyle/>
             <a:p>
               <a:r>
-                <a:rPr lang="zh-CN" altLang="en-US" b="1">
-                  <a:latin typeface="Consolas" panose="020B0609020204030204" pitchFamily="49" charset="0"/>
-                  <a:ea typeface="微软雅黑" panose="020B0503020204020204" pitchFamily="34" charset="-122"/>
-                  <a:hlinkClick r:id="rId6" action="ppaction://hlinksldjump"/>
-                </a:rPr>
-                <a:t>添加</a:t>
-              </a:r>
-              <a:r>
                 <a:rPr lang="zh-CN" altLang="en-US" sz="1800" b="1">
                   <a:latin typeface="Consolas" panose="020B0609020204030204" pitchFamily="49" charset="0"/>
                   <a:ea typeface="微软雅黑" panose="020B0503020204020204" pitchFamily="34" charset="-122"/>
                   <a:hlinkClick r:id="rId6" action="ppaction://hlinksldjump"/>
                 </a:rPr>
-                <a:t>纪念馆</a:t>
+                <a:t>创建纪念馆</a:t>
               </a:r>
               <a:endParaRPr lang="zh-CN" altLang="en-US"/>
             </a:p>
@@ -8861,7 +8853,7 @@
                 <a:latin typeface="微软雅黑" panose="020B0503020204020204" pitchFamily="34" charset="-122"/>
                 <a:ea typeface="微软雅黑" panose="020B0503020204020204" pitchFamily="34" charset="-122"/>
               </a:rPr>
-              <a:t>日期</a:t>
+              <a:t>时间戳</a:t>
             </a:r>
             <a:endParaRPr lang="zh-CN" altLang="en-US" sz="1400">
               <a:latin typeface="微软雅黑" panose="020B0503020204020204" pitchFamily="34" charset="-122"/>
@@ -9233,7 +9225,7 @@
                 <a:latin typeface="Consolas" panose="020B0609020204030204" pitchFamily="49" charset="0"/>
                 <a:ea typeface="微软雅黑" panose="020B0503020204020204" pitchFamily="34" charset="-122"/>
               </a:rPr>
-              <a:t>添加纪念馆</a:t>
+              <a:t>创建纪念馆</a:t>
             </a:r>
           </a:p>
         </p:txBody>
@@ -12241,7 +12233,7 @@
         </p:nvSpPr>
         <p:spPr>
           <a:xfrm>
-            <a:off x="2855866" y="3437195"/>
+            <a:off x="2725243" y="3437195"/>
             <a:ext cx="1476398" cy="648000"/>
           </a:xfrm>
           <a:prstGeom prst="roundRect">
@@ -12335,7 +12327,7 @@
         </p:nvCxnSpPr>
         <p:spPr>
           <a:xfrm flipV="1">
-            <a:off x="4332264" y="3274424"/>
+            <a:off x="4201641" y="3274424"/>
             <a:ext cx="1243206" cy="486771"/>
           </a:xfrm>
           <a:prstGeom prst="straightConnector1">
@@ -12867,7 +12859,7 @@
         <p:spPr>
           <a:xfrm flipV="1">
             <a:off x="1792379" y="3761195"/>
-            <a:ext cx="1063487" cy="698"/>
+            <a:ext cx="932864" cy="698"/>
           </a:xfrm>
           <a:prstGeom prst="straightConnector1">
             <a:avLst/>
@@ -12908,7 +12900,7 @@
         </p:nvSpPr>
         <p:spPr>
           <a:xfrm>
-            <a:off x="5688167" y="5690277"/>
+            <a:off x="5557544" y="5690277"/>
             <a:ext cx="1080000" cy="432000"/>
           </a:xfrm>
           <a:prstGeom prst="roundRect">
@@ -12971,7 +12963,7 @@
         </p:nvSpPr>
         <p:spPr>
           <a:xfrm>
-            <a:off x="7775922" y="5582277"/>
+            <a:off x="7645299" y="5582277"/>
             <a:ext cx="1512000" cy="648000"/>
           </a:xfrm>
           <a:prstGeom prst="roundRect">
@@ -13065,7 +13057,7 @@
         </p:nvCxnSpPr>
         <p:spPr>
           <a:xfrm>
-            <a:off x="6768167" y="5906277"/>
+            <a:off x="6637544" y="5906277"/>
             <a:ext cx="1007755" cy="0"/>
           </a:xfrm>
           <a:prstGeom prst="straightConnector1">
@@ -13111,7 +13103,7 @@
         </p:nvCxnSpPr>
         <p:spPr>
           <a:xfrm>
-            <a:off x="4332264" y="3761195"/>
+            <a:off x="4201641" y="3761195"/>
             <a:ext cx="1355903" cy="2145082"/>
           </a:xfrm>
           <a:prstGeom prst="straightConnector1">
@@ -13153,7 +13145,7 @@
         </p:nvSpPr>
         <p:spPr>
           <a:xfrm>
-            <a:off x="9757416" y="4725750"/>
+            <a:off x="9626793" y="4725750"/>
             <a:ext cx="1728000" cy="396000"/>
           </a:xfrm>
           <a:prstGeom prst="roundRect">
@@ -13218,7 +13210,7 @@
         </p:nvSpPr>
         <p:spPr>
           <a:xfrm>
-            <a:off x="5680501" y="4635750"/>
+            <a:off x="5549878" y="4635750"/>
             <a:ext cx="1728000" cy="576000"/>
           </a:xfrm>
           <a:prstGeom prst="roundRect">
@@ -13288,7 +13280,7 @@
         </p:nvCxnSpPr>
         <p:spPr>
           <a:xfrm flipH="1">
-            <a:off x="9287922" y="4923750"/>
+            <a:off x="9157299" y="4923750"/>
             <a:ext cx="469494" cy="0"/>
           </a:xfrm>
           <a:prstGeom prst="straightConnector1">
@@ -13330,7 +13322,7 @@
         </p:nvSpPr>
         <p:spPr>
           <a:xfrm>
-            <a:off x="7775922" y="4599750"/>
+            <a:off x="7645299" y="4599750"/>
             <a:ext cx="1512000" cy="648000"/>
           </a:xfrm>
           <a:prstGeom prst="roundRect">
@@ -13424,7 +13416,7 @@
         </p:nvCxnSpPr>
         <p:spPr>
           <a:xfrm>
-            <a:off x="4332264" y="3761195"/>
+            <a:off x="4201641" y="3761195"/>
             <a:ext cx="1348237" cy="1162555"/>
           </a:xfrm>
           <a:prstGeom prst="straightConnector1">
@@ -13470,7 +13462,7 @@
         </p:nvCxnSpPr>
         <p:spPr>
           <a:xfrm>
-            <a:off x="7408501" y="4923750"/>
+            <a:off x="7277878" y="4923750"/>
             <a:ext cx="367421" cy="0"/>
           </a:xfrm>
           <a:prstGeom prst="straightConnector1">
@@ -13512,7 +13504,7 @@
         </p:nvGrpSpPr>
         <p:grpSpPr>
           <a:xfrm>
-            <a:off x="5575470" y="2237196"/>
+            <a:off x="5444847" y="2237196"/>
             <a:ext cx="3726193" cy="2074455"/>
             <a:chOff x="5575470" y="2538139"/>
             <a:chExt cx="3726193" cy="2074455"/>

--- a/doc/08.祭奠堂.pptx
+++ b/doc/08.祭奠堂.pptx
@@ -281,7 +281,7 @@
           <a:p>
             <a:fld id="{1B7BBEA4-24BC-4F9A-BA49-26A596A24E96}" type="datetimeFigureOut">
               <a:rPr lang="zh-CN" altLang="en-US" smtClean="0"/>
-              <a:t>2021/4/15</a:t>
+              <a:t>2021/4/17</a:t>
             </a:fld>
             <a:endParaRPr lang="zh-CN" altLang="en-US"/>
           </a:p>
@@ -479,7 +479,7 @@
           <a:p>
             <a:fld id="{1B7BBEA4-24BC-4F9A-BA49-26A596A24E96}" type="datetimeFigureOut">
               <a:rPr lang="zh-CN" altLang="en-US" smtClean="0"/>
-              <a:t>2021/4/15</a:t>
+              <a:t>2021/4/17</a:t>
             </a:fld>
             <a:endParaRPr lang="zh-CN" altLang="en-US"/>
           </a:p>
@@ -687,7 +687,7 @@
           <a:p>
             <a:fld id="{1B7BBEA4-24BC-4F9A-BA49-26A596A24E96}" type="datetimeFigureOut">
               <a:rPr lang="zh-CN" altLang="en-US" smtClean="0"/>
-              <a:t>2021/4/15</a:t>
+              <a:t>2021/4/17</a:t>
             </a:fld>
             <a:endParaRPr lang="zh-CN" altLang="en-US"/>
           </a:p>
@@ -885,7 +885,7 @@
           <a:p>
             <a:fld id="{1B7BBEA4-24BC-4F9A-BA49-26A596A24E96}" type="datetimeFigureOut">
               <a:rPr lang="zh-CN" altLang="en-US" smtClean="0"/>
-              <a:t>2021/4/15</a:t>
+              <a:t>2021/4/17</a:t>
             </a:fld>
             <a:endParaRPr lang="zh-CN" altLang="en-US"/>
           </a:p>
@@ -1160,7 +1160,7 @@
           <a:p>
             <a:fld id="{1B7BBEA4-24BC-4F9A-BA49-26A596A24E96}" type="datetimeFigureOut">
               <a:rPr lang="zh-CN" altLang="en-US" smtClean="0"/>
-              <a:t>2021/4/15</a:t>
+              <a:t>2021/4/17</a:t>
             </a:fld>
             <a:endParaRPr lang="zh-CN" altLang="en-US"/>
           </a:p>
@@ -1425,7 +1425,7 @@
           <a:p>
             <a:fld id="{1B7BBEA4-24BC-4F9A-BA49-26A596A24E96}" type="datetimeFigureOut">
               <a:rPr lang="zh-CN" altLang="en-US" smtClean="0"/>
-              <a:t>2021/4/15</a:t>
+              <a:t>2021/4/17</a:t>
             </a:fld>
             <a:endParaRPr lang="zh-CN" altLang="en-US"/>
           </a:p>
@@ -1837,7 +1837,7 @@
           <a:p>
             <a:fld id="{1B7BBEA4-24BC-4F9A-BA49-26A596A24E96}" type="datetimeFigureOut">
               <a:rPr lang="zh-CN" altLang="en-US" smtClean="0"/>
-              <a:t>2021/4/15</a:t>
+              <a:t>2021/4/17</a:t>
             </a:fld>
             <a:endParaRPr lang="zh-CN" altLang="en-US"/>
           </a:p>
@@ -1978,7 +1978,7 @@
           <a:p>
             <a:fld id="{1B7BBEA4-24BC-4F9A-BA49-26A596A24E96}" type="datetimeFigureOut">
               <a:rPr lang="zh-CN" altLang="en-US" smtClean="0"/>
-              <a:t>2021/4/15</a:t>
+              <a:t>2021/4/17</a:t>
             </a:fld>
             <a:endParaRPr lang="zh-CN" altLang="en-US"/>
           </a:p>
@@ -2091,7 +2091,7 @@
           <a:p>
             <a:fld id="{1B7BBEA4-24BC-4F9A-BA49-26A596A24E96}" type="datetimeFigureOut">
               <a:rPr lang="zh-CN" altLang="en-US" smtClean="0"/>
-              <a:t>2021/4/15</a:t>
+              <a:t>2021/4/17</a:t>
             </a:fld>
             <a:endParaRPr lang="zh-CN" altLang="en-US"/>
           </a:p>
@@ -2402,7 +2402,7 @@
           <a:p>
             <a:fld id="{1B7BBEA4-24BC-4F9A-BA49-26A596A24E96}" type="datetimeFigureOut">
               <a:rPr lang="zh-CN" altLang="en-US" smtClean="0"/>
-              <a:t>2021/4/15</a:t>
+              <a:t>2021/4/17</a:t>
             </a:fld>
             <a:endParaRPr lang="zh-CN" altLang="en-US"/>
           </a:p>
@@ -2690,7 +2690,7 @@
           <a:p>
             <a:fld id="{1B7BBEA4-24BC-4F9A-BA49-26A596A24E96}" type="datetimeFigureOut">
               <a:rPr lang="zh-CN" altLang="en-US" smtClean="0"/>
-              <a:t>2021/4/15</a:t>
+              <a:t>2021/4/17</a:t>
             </a:fld>
             <a:endParaRPr lang="zh-CN" altLang="en-US"/>
           </a:p>
@@ -2931,7 +2931,7 @@
           <a:p>
             <a:fld id="{1B7BBEA4-24BC-4F9A-BA49-26A596A24E96}" type="datetimeFigureOut">
               <a:rPr lang="zh-CN" altLang="en-US" smtClean="0"/>
-              <a:t>2021/4/15</a:t>
+              <a:t>2021/4/17</a:t>
             </a:fld>
             <a:endParaRPr lang="zh-CN" altLang="en-US"/>
           </a:p>
@@ -14452,7 +14452,7 @@
         </p:nvSpPr>
         <p:spPr>
           <a:xfrm>
-            <a:off x="712379" y="2396440"/>
+            <a:off x="712379" y="2545733"/>
             <a:ext cx="1080000" cy="432000"/>
           </a:xfrm>
           <a:prstGeom prst="roundRect">
@@ -14515,7 +14515,7 @@
         </p:nvSpPr>
         <p:spPr>
           <a:xfrm>
-            <a:off x="3904203" y="2288440"/>
+            <a:off x="3904203" y="2437733"/>
             <a:ext cx="2153706" cy="648000"/>
           </a:xfrm>
           <a:prstGeom prst="roundRect">
@@ -14609,7 +14609,7 @@
         </p:nvCxnSpPr>
         <p:spPr>
           <a:xfrm flipH="1">
-            <a:off x="6057909" y="2612440"/>
+            <a:off x="6057909" y="2761733"/>
             <a:ext cx="2537736" cy="0"/>
           </a:xfrm>
           <a:prstGeom prst="straightConnector1">
@@ -14651,7 +14651,7 @@
         </p:nvSpPr>
         <p:spPr>
           <a:xfrm>
-            <a:off x="8595645" y="2414440"/>
+            <a:off x="8595645" y="2563733"/>
             <a:ext cx="1728000" cy="396000"/>
           </a:xfrm>
           <a:prstGeom prst="roundRect">
@@ -14720,7 +14720,7 @@
         </p:nvCxnSpPr>
         <p:spPr>
           <a:xfrm>
-            <a:off x="1792379" y="2612440"/>
+            <a:off x="1792379" y="2761733"/>
             <a:ext cx="2111824" cy="0"/>
           </a:xfrm>
           <a:prstGeom prst="straightConnector1">
@@ -14762,7 +14762,7 @@
         </p:nvSpPr>
         <p:spPr>
           <a:xfrm>
-            <a:off x="712379" y="3530882"/>
+            <a:off x="712379" y="3680175"/>
             <a:ext cx="1080000" cy="432000"/>
           </a:xfrm>
           <a:prstGeom prst="roundRect">
@@ -14829,7 +14829,7 @@
         </p:nvCxnSpPr>
         <p:spPr>
           <a:xfrm flipH="1">
-            <a:off x="6057909" y="3746882"/>
+            <a:off x="6057909" y="3896175"/>
             <a:ext cx="2537736" cy="0"/>
           </a:xfrm>
           <a:prstGeom prst="straightConnector1">
@@ -14871,7 +14871,7 @@
         </p:nvSpPr>
         <p:spPr>
           <a:xfrm>
-            <a:off x="8595645" y="3548882"/>
+            <a:off x="8595645" y="3698175"/>
             <a:ext cx="1728000" cy="396000"/>
           </a:xfrm>
           <a:prstGeom prst="roundRect">
@@ -14940,7 +14940,7 @@
         </p:nvCxnSpPr>
         <p:spPr>
           <a:xfrm>
-            <a:off x="1792379" y="3746882"/>
+            <a:off x="1792379" y="3896175"/>
             <a:ext cx="2111824" cy="0"/>
           </a:xfrm>
           <a:prstGeom prst="straightConnector1">
@@ -14982,7 +14982,7 @@
         </p:nvSpPr>
         <p:spPr>
           <a:xfrm>
-            <a:off x="3904203" y="3422882"/>
+            <a:off x="3904203" y="3572175"/>
             <a:ext cx="2153706" cy="648000"/>
           </a:xfrm>
           <a:prstGeom prst="roundRect">
